--- a/docs/paav architecture.pptx
+++ b/docs/paav architecture.pptx
@@ -15,17 +15,16 @@
     <p:sldId id="275" r:id="rId9"/>
     <p:sldId id="258" r:id="rId10"/>
     <p:sldId id="276" r:id="rId11"/>
-    <p:sldId id="277" r:id="rId12"/>
-    <p:sldId id="278" r:id="rId13"/>
-    <p:sldId id="279" r:id="rId14"/>
-    <p:sldId id="280" r:id="rId15"/>
-    <p:sldId id="290" r:id="rId16"/>
-    <p:sldId id="291" r:id="rId17"/>
-    <p:sldId id="283" r:id="rId18"/>
-    <p:sldId id="284" r:id="rId19"/>
-    <p:sldId id="287" r:id="rId20"/>
-    <p:sldId id="285" r:id="rId21"/>
-    <p:sldId id="286" r:id="rId22"/>
+    <p:sldId id="278" r:id="rId12"/>
+    <p:sldId id="279" r:id="rId13"/>
+    <p:sldId id="280" r:id="rId14"/>
+    <p:sldId id="290" r:id="rId15"/>
+    <p:sldId id="291" r:id="rId16"/>
+    <p:sldId id="283" r:id="rId17"/>
+    <p:sldId id="287" r:id="rId18"/>
+    <p:sldId id="292" r:id="rId19"/>
+    <p:sldId id="285" r:id="rId20"/>
+    <p:sldId id="286" r:id="rId21"/>
   </p:sldIdLst>
   <p:sldSz cx="12192000" cy="6858000"/>
   <p:notesSz cx="6858000" cy="9144000"/>
@@ -281,7 +280,7 @@
           <a:p>
             <a:fld id="{D02030E8-0766-434C-B8B2-C03BD173814C}" type="datetimeFigureOut">
               <a:rPr lang="en-GB" smtClean="0"/>
-              <a:t>29/09/2023</a:t>
+              <a:t>30/09/2023</a:t>
             </a:fld>
             <a:endParaRPr lang="en-GB"/>
           </a:p>
@@ -481,7 +480,7 @@
           <a:p>
             <a:fld id="{D02030E8-0766-434C-B8B2-C03BD173814C}" type="datetimeFigureOut">
               <a:rPr lang="en-GB" smtClean="0"/>
-              <a:t>29/09/2023</a:t>
+              <a:t>30/09/2023</a:t>
             </a:fld>
             <a:endParaRPr lang="en-GB"/>
           </a:p>
@@ -691,7 +690,7 @@
           <a:p>
             <a:fld id="{D02030E8-0766-434C-B8B2-C03BD173814C}" type="datetimeFigureOut">
               <a:rPr lang="en-GB" smtClean="0"/>
-              <a:t>29/09/2023</a:t>
+              <a:t>30/09/2023</a:t>
             </a:fld>
             <a:endParaRPr lang="en-GB"/>
           </a:p>
@@ -891,7 +890,7 @@
           <a:p>
             <a:fld id="{D02030E8-0766-434C-B8B2-C03BD173814C}" type="datetimeFigureOut">
               <a:rPr lang="en-GB" smtClean="0"/>
-              <a:t>29/09/2023</a:t>
+              <a:t>30/09/2023</a:t>
             </a:fld>
             <a:endParaRPr lang="en-GB"/>
           </a:p>
@@ -1167,7 +1166,7 @@
           <a:p>
             <a:fld id="{D02030E8-0766-434C-B8B2-C03BD173814C}" type="datetimeFigureOut">
               <a:rPr lang="en-GB" smtClean="0"/>
-              <a:t>29/09/2023</a:t>
+              <a:t>30/09/2023</a:t>
             </a:fld>
             <a:endParaRPr lang="en-GB"/>
           </a:p>
@@ -1435,7 +1434,7 @@
           <a:p>
             <a:fld id="{D02030E8-0766-434C-B8B2-C03BD173814C}" type="datetimeFigureOut">
               <a:rPr lang="en-GB" smtClean="0"/>
-              <a:t>29/09/2023</a:t>
+              <a:t>30/09/2023</a:t>
             </a:fld>
             <a:endParaRPr lang="en-GB"/>
           </a:p>
@@ -1850,7 +1849,7 @@
           <a:p>
             <a:fld id="{D02030E8-0766-434C-B8B2-C03BD173814C}" type="datetimeFigureOut">
               <a:rPr lang="en-GB" smtClean="0"/>
-              <a:t>29/09/2023</a:t>
+              <a:t>30/09/2023</a:t>
             </a:fld>
             <a:endParaRPr lang="en-GB"/>
           </a:p>
@@ -1992,7 +1991,7 @@
           <a:p>
             <a:fld id="{D02030E8-0766-434C-B8B2-C03BD173814C}" type="datetimeFigureOut">
               <a:rPr lang="en-GB" smtClean="0"/>
-              <a:t>29/09/2023</a:t>
+              <a:t>30/09/2023</a:t>
             </a:fld>
             <a:endParaRPr lang="en-GB"/>
           </a:p>
@@ -2105,7 +2104,7 @@
           <a:p>
             <a:fld id="{D02030E8-0766-434C-B8B2-C03BD173814C}" type="datetimeFigureOut">
               <a:rPr lang="en-GB" smtClean="0"/>
-              <a:t>29/09/2023</a:t>
+              <a:t>30/09/2023</a:t>
             </a:fld>
             <a:endParaRPr lang="en-GB"/>
           </a:p>
@@ -2418,7 +2417,7 @@
           <a:p>
             <a:fld id="{D02030E8-0766-434C-B8B2-C03BD173814C}" type="datetimeFigureOut">
               <a:rPr lang="en-GB" smtClean="0"/>
-              <a:t>29/09/2023</a:t>
+              <a:t>30/09/2023</a:t>
             </a:fld>
             <a:endParaRPr lang="en-GB"/>
           </a:p>
@@ -2707,7 +2706,7 @@
           <a:p>
             <a:fld id="{D02030E8-0766-434C-B8B2-C03BD173814C}" type="datetimeFigureOut">
               <a:rPr lang="en-GB" smtClean="0"/>
-              <a:t>29/09/2023</a:t>
+              <a:t>30/09/2023</a:t>
             </a:fld>
             <a:endParaRPr lang="en-GB"/>
           </a:p>
@@ -2950,7 +2949,7 @@
           <a:p>
             <a:fld id="{D02030E8-0766-434C-B8B2-C03BD173814C}" type="datetimeFigureOut">
               <a:rPr lang="en-GB" smtClean="0"/>
-              <a:t>29/09/2023</a:t>
+              <a:t>30/09/2023</a:t>
             </a:fld>
             <a:endParaRPr lang="en-GB"/>
           </a:p>
@@ -10588,8 +10587,8 @@
           </a:p>
         </p:txBody>
       </p:sp>
-      <mc:AlternateContent xmlns:mc="http://schemas.openxmlformats.org/markup-compatibility/2006">
-        <mc:Choice xmlns:a14="http://schemas.microsoft.com/office/drawing/2010/main" Requires="a14">
+      <mc:AlternateContent xmlns:mc="http://schemas.openxmlformats.org/markup-compatibility/2006" xmlns:a14="http://schemas.microsoft.com/office/drawing/2010/main">
+        <mc:Choice Requires="a14">
           <p:sp>
             <p:nvSpPr>
               <p:cNvPr id="8" name="TextBox 7">
@@ -10657,7 +10656,7 @@
             </p:txBody>
           </p:sp>
         </mc:Choice>
-        <mc:Fallback>
+        <mc:Fallback xmlns="">
           <p:sp>
             <p:nvSpPr>
               <p:cNvPr id="8" name="TextBox 7">
@@ -10909,337 +10908,6 @@
           </a:p>
         </p:txBody>
       </p:sp>
-      <mc:AlternateContent xmlns:mc="http://schemas.openxmlformats.org/markup-compatibility/2006">
-        <mc:Choice xmlns:a14="http://schemas.microsoft.com/office/drawing/2010/main" Requires="a14">
-          <p:sp>
-            <p:nvSpPr>
-              <p:cNvPr id="8" name="TextBox 7">
-                <a:extLst>
-                  <a:ext uri="{FF2B5EF4-FFF2-40B4-BE49-F238E27FC236}">
-                    <a16:creationId xmlns:a16="http://schemas.microsoft.com/office/drawing/2014/main" id="{1FC2CD4C-B40C-DBBF-BC53-FE000B9E5A95}"/>
-                  </a:ext>
-                </a:extLst>
-              </p:cNvPr>
-              <p:cNvSpPr txBox="1"/>
-              <p:nvPr/>
-            </p:nvSpPr>
-            <p:spPr>
-              <a:xfrm>
-                <a:off x="831526" y="1588536"/>
-                <a:ext cx="10388699" cy="584775"/>
-              </a:xfrm>
-              <a:prstGeom prst="rect">
-                <a:avLst/>
-              </a:prstGeom>
-              <a:noFill/>
-            </p:spPr>
-            <p:txBody>
-              <a:bodyPr wrap="square" rtlCol="0">
-                <a:spAutoFit/>
-              </a:bodyPr>
-              <a:lstStyle/>
-              <a:p>
-                <a:pPr algn="just"/>
-                <a:r>
-                  <a:rPr lang="en-US" sz="1600" dirty="0">
-                    <a:latin typeface="Garamond" panose="02020404030301010803" pitchFamily="18" charset="0"/>
-                  </a:rPr>
-                  <a:t>TOP_limitation – Variable </a:t>
-                </a:r>
-                <a14:m>
-                  <m:oMath xmlns:m="http://schemas.openxmlformats.org/officeDocument/2006/math">
-                    <m:r>
-                      <a:rPr lang="en-US" sz="1600" b="0" i="1" smtClean="0">
-                        <a:latin typeface="Cambria Math" panose="02040503050406030204" pitchFamily="18" charset="0"/>
-                      </a:rPr>
-                      <m:t>𝑐</m:t>
-                    </m:r>
-                  </m:oMath>
-                </a14:m>
-                <a:r>
-                  <a:rPr lang="en-US" sz="1600" dirty="0">
-                    <a:latin typeface="Garamond" panose="02020404030301010803" pitchFamily="18" charset="0"/>
-                  </a:rPr>
-                  <a:t> will stabilize with the value </a:t>
-                </a:r>
-                <a14:m>
-                  <m:oMath xmlns:m="http://schemas.openxmlformats.org/officeDocument/2006/math">
-                    <m:r>
-                      <a:rPr lang="en-US" sz="1600" b="0" i="1" smtClean="0">
-                        <a:latin typeface="Cambria Math" panose="02040503050406030204" pitchFamily="18" charset="0"/>
-                      </a:rPr>
-                      <m:t>⊤</m:t>
-                    </m:r>
-                  </m:oMath>
-                </a14:m>
-                <a:r>
-                  <a:rPr lang="en-US" sz="1600" dirty="0">
-                    <a:latin typeface="Garamond" panose="02020404030301010803" pitchFamily="18" charset="0"/>
-                  </a:rPr>
-                  <a:t>. We will not be able to assert this, although it is always true.</a:t>
-                </a:r>
-              </a:p>
-              <a:p>
-                <a:pPr algn="just"/>
-                <a:endParaRPr lang="en-US" sz="1600" dirty="0">
-                  <a:latin typeface="Garamond" panose="02020404030301010803" pitchFamily="18" charset="0"/>
-                </a:endParaRPr>
-              </a:p>
-            </p:txBody>
-          </p:sp>
-        </mc:Choice>
-        <mc:Fallback>
-          <p:sp>
-            <p:nvSpPr>
-              <p:cNvPr id="8" name="TextBox 7">
-                <a:extLst>
-                  <a:ext uri="{FF2B5EF4-FFF2-40B4-BE49-F238E27FC236}">
-                    <a16:creationId xmlns:a16="http://schemas.microsoft.com/office/drawing/2014/main" id="{1FC2CD4C-B40C-DBBF-BC53-FE000B9E5A95}"/>
-                  </a:ext>
-                </a:extLst>
-              </p:cNvPr>
-              <p:cNvSpPr txBox="1">
-                <a:spLocks noRot="1" noChangeAspect="1" noMove="1" noResize="1" noEditPoints="1" noAdjustHandles="1" noChangeArrowheads="1" noChangeShapeType="1" noTextEdit="1"/>
-              </p:cNvSpPr>
-              <p:nvPr/>
-            </p:nvSpPr>
-            <p:spPr>
-              <a:xfrm>
-                <a:off x="831526" y="1588536"/>
-                <a:ext cx="10388699" cy="584775"/>
-              </a:xfrm>
-              <a:prstGeom prst="rect">
-                <a:avLst/>
-              </a:prstGeom>
-              <a:blipFill>
-                <a:blip r:embed="rId2"/>
-                <a:stretch>
-                  <a:fillRect l="-293" t="-2083"/>
-                </a:stretch>
-              </a:blipFill>
-            </p:spPr>
-            <p:txBody>
-              <a:bodyPr/>
-              <a:lstStyle/>
-              <a:p>
-                <a:r>
-                  <a:rPr lang="en-GB">
-                    <a:noFill/>
-                  </a:rPr>
-                  <a:t> </a:t>
-                </a:r>
-              </a:p>
-            </p:txBody>
-          </p:sp>
-        </mc:Fallback>
-      </mc:AlternateContent>
-      <p:pic>
-        <p:nvPicPr>
-          <p:cNvPr id="5" name="Picture 4">
-            <a:extLst>
-              <a:ext uri="{FF2B5EF4-FFF2-40B4-BE49-F238E27FC236}">
-                <a16:creationId xmlns:a16="http://schemas.microsoft.com/office/drawing/2014/main" id="{BA0DAD1F-3921-8C05-EE98-A2A4AF0AE940}"/>
-              </a:ext>
-            </a:extLst>
-          </p:cNvPr>
-          <p:cNvPicPr>
-            <a:picLocks noChangeAspect="1"/>
-          </p:cNvPicPr>
-          <p:nvPr/>
-        </p:nvPicPr>
-        <p:blipFill>
-          <a:blip r:embed="rId3"/>
-          <a:stretch>
-            <a:fillRect/>
-          </a:stretch>
-        </p:blipFill>
-        <p:spPr>
-          <a:xfrm>
-            <a:off x="4998721" y="2173311"/>
-            <a:ext cx="6680032" cy="3495969"/>
-          </a:xfrm>
-          <a:prstGeom prst="rect">
-            <a:avLst/>
-          </a:prstGeom>
-          <a:ln>
-            <a:solidFill>
-              <a:schemeClr val="bg2">
-                <a:lumMod val="75000"/>
-              </a:schemeClr>
-            </a:solidFill>
-          </a:ln>
-          <a:effectLst>
-            <a:outerShdw blurRad="50800" dist="38100" dir="5400000" algn="t" rotWithShape="0">
-              <a:prstClr val="black">
-                <a:alpha val="40000"/>
-              </a:prstClr>
-            </a:outerShdw>
-          </a:effectLst>
-        </p:spPr>
-      </p:pic>
-      <p:pic>
-        <p:nvPicPr>
-          <p:cNvPr id="12" name="Picture 11">
-            <a:extLst>
-              <a:ext uri="{FF2B5EF4-FFF2-40B4-BE49-F238E27FC236}">
-                <a16:creationId xmlns:a16="http://schemas.microsoft.com/office/drawing/2014/main" id="{4316A44F-78F7-4C01-3B9C-351B2ACC000A}"/>
-              </a:ext>
-            </a:extLst>
-          </p:cNvPr>
-          <p:cNvPicPr>
-            <a:picLocks noChangeAspect="1"/>
-          </p:cNvPicPr>
-          <p:nvPr/>
-        </p:nvPicPr>
-        <p:blipFill>
-          <a:blip r:embed="rId4"/>
-          <a:stretch>
-            <a:fillRect/>
-          </a:stretch>
-        </p:blipFill>
-        <p:spPr>
-          <a:xfrm>
-            <a:off x="971775" y="2173311"/>
-            <a:ext cx="3398140" cy="1530009"/>
-          </a:xfrm>
-          <a:prstGeom prst="rect">
-            <a:avLst/>
-          </a:prstGeom>
-          <a:ln>
-            <a:solidFill>
-              <a:schemeClr val="bg2">
-                <a:lumMod val="75000"/>
-              </a:schemeClr>
-            </a:solidFill>
-          </a:ln>
-          <a:effectLst>
-            <a:outerShdw blurRad="50800" dist="38100" dir="5400000" algn="t" rotWithShape="0">
-              <a:prstClr val="black">
-                <a:alpha val="40000"/>
-              </a:prstClr>
-            </a:outerShdw>
-          </a:effectLst>
-        </p:spPr>
-      </p:pic>
-    </p:spTree>
-    <p:extLst>
-      <p:ext uri="{BB962C8B-B14F-4D97-AF65-F5344CB8AC3E}">
-        <p14:creationId xmlns:p14="http://schemas.microsoft.com/office/powerpoint/2010/main" val="331866248"/>
-      </p:ext>
-    </p:extLst>
-  </p:cSld>
-  <p:clrMapOvr>
-    <a:masterClrMapping/>
-  </p:clrMapOvr>
-</p:sld>
-</file>
-
-<file path=ppt/slides/slide12.xml><?xml version="1.0" encoding="utf-8"?>
-<p:sld xmlns:a="http://schemas.openxmlformats.org/drawingml/2006/main" xmlns:r="http://schemas.openxmlformats.org/officeDocument/2006/relationships" xmlns:p="http://schemas.openxmlformats.org/presentationml/2006/main">
-  <p:cSld>
-    <p:spTree>
-      <p:nvGrpSpPr>
-        <p:cNvPr id="1" name=""/>
-        <p:cNvGrpSpPr/>
-        <p:nvPr/>
-      </p:nvGrpSpPr>
-      <p:grpSpPr>
-        <a:xfrm>
-          <a:off x="0" y="0"/>
-          <a:ext cx="0" cy="0"/>
-          <a:chOff x="0" y="0"/>
-          <a:chExt cx="0" cy="0"/>
-        </a:xfrm>
-      </p:grpSpPr>
-      <p:sp>
-        <p:nvSpPr>
-          <p:cNvPr id="3" name="Rectangle: Rounded Corners 2">
-            <a:extLst>
-              <a:ext uri="{FF2B5EF4-FFF2-40B4-BE49-F238E27FC236}">
-                <a16:creationId xmlns:a16="http://schemas.microsoft.com/office/drawing/2014/main" id="{F2928330-E780-3477-3030-AEC17F68A165}"/>
-              </a:ext>
-            </a:extLst>
-          </p:cNvPr>
-          <p:cNvSpPr/>
-          <p:nvPr/>
-        </p:nvSpPr>
-        <p:spPr>
-          <a:xfrm>
-            <a:off x="635000" y="577850"/>
-            <a:ext cx="11169650" cy="596900"/>
-          </a:xfrm>
-          <a:prstGeom prst="roundRect">
-            <a:avLst/>
-          </a:prstGeom>
-          <a:solidFill>
-            <a:schemeClr val="accent1">
-              <a:lumMod val="40000"/>
-              <a:lumOff val="60000"/>
-            </a:schemeClr>
-          </a:solidFill>
-        </p:spPr>
-        <p:style>
-          <a:lnRef idx="2">
-            <a:schemeClr val="accent1">
-              <a:shade val="15000"/>
-            </a:schemeClr>
-          </a:lnRef>
-          <a:fillRef idx="1">
-            <a:schemeClr val="accent1"/>
-          </a:fillRef>
-          <a:effectRef idx="0">
-            <a:schemeClr val="accent1"/>
-          </a:effectRef>
-          <a:fontRef idx="minor">
-            <a:schemeClr val="lt1"/>
-          </a:fontRef>
-        </p:style>
-        <p:txBody>
-          <a:bodyPr rtlCol="0" anchor="ctr"/>
-          <a:lstStyle/>
-          <a:p>
-            <a:pPr algn="ctr"/>
-            <a:endParaRPr lang="en-GB"/>
-          </a:p>
-        </p:txBody>
-      </p:sp>
-      <p:sp>
-        <p:nvSpPr>
-          <p:cNvPr id="2" name="TextBox 1">
-            <a:extLst>
-              <a:ext uri="{FF2B5EF4-FFF2-40B4-BE49-F238E27FC236}">
-                <a16:creationId xmlns:a16="http://schemas.microsoft.com/office/drawing/2014/main" id="{8740DFEE-772A-D4E7-E691-9C0167BE8008}"/>
-              </a:ext>
-            </a:extLst>
-          </p:cNvPr>
-          <p:cNvSpPr txBox="1"/>
-          <p:nvPr/>
-        </p:nvSpPr>
-        <p:spPr>
-          <a:xfrm>
-            <a:off x="831528" y="634647"/>
-            <a:ext cx="4731071" cy="461665"/>
-          </a:xfrm>
-          <a:prstGeom prst="rect">
-            <a:avLst/>
-          </a:prstGeom>
-          <a:noFill/>
-        </p:spPr>
-        <p:txBody>
-          <a:bodyPr wrap="square" rtlCol="0">
-            <a:spAutoFit/>
-          </a:bodyPr>
-          <a:lstStyle/>
-          <a:p>
-            <a:r>
-              <a:rPr lang="en-US" sz="2400" b="1" dirty="0">
-                <a:latin typeface="Garamond" panose="02020404030301010803" pitchFamily="18" charset="0"/>
-              </a:rPr>
-              <a:t>Test Programs – Parity 4</a:t>
-            </a:r>
-          </a:p>
-        </p:txBody>
-      </p:sp>
       <p:sp>
         <p:nvSpPr>
           <p:cNvPr id="8" name="TextBox 7">
@@ -11391,7 +11059,7 @@
 </p:sld>
 </file>
 
-<file path=ppt/slides/slide13.xml><?xml version="1.0" encoding="utf-8"?>
+<file path=ppt/slides/slide12.xml><?xml version="1.0" encoding="utf-8"?>
 <p:sld xmlns:a="http://schemas.openxmlformats.org/drawingml/2006/main" xmlns:r="http://schemas.openxmlformats.org/officeDocument/2006/relationships" xmlns:p="http://schemas.openxmlformats.org/presentationml/2006/main">
   <p:cSld>
     <p:spTree>
@@ -11492,7 +11160,7 @@
               <a:rPr lang="en-US" sz="2400" b="1" dirty="0">
                 <a:latin typeface="Garamond" panose="02020404030301010803" pitchFamily="18" charset="0"/>
               </a:rPr>
-              <a:t>Test Programs – Parity 5</a:t>
+              <a:t>Test Programs – Parity 4</a:t>
             </a:r>
           </a:p>
         </p:txBody>
@@ -11704,7 +11372,7 @@
 </p:sld>
 </file>
 
-<file path=ppt/slides/slide14.xml><?xml version="1.0" encoding="utf-8"?>
+<file path=ppt/slides/slide13.xml><?xml version="1.0" encoding="utf-8"?>
 <p:sld xmlns:a="http://schemas.openxmlformats.org/drawingml/2006/main" xmlns:r="http://schemas.openxmlformats.org/officeDocument/2006/relationships" xmlns:p="http://schemas.openxmlformats.org/presentationml/2006/main">
   <p:cSld>
     <p:spTree>
@@ -12025,7 +11693,7 @@
 </p:sld>
 </file>
 
-<file path=ppt/slides/slide15.xml><?xml version="1.0" encoding="utf-8"?>
+<file path=ppt/slides/slide14.xml><?xml version="1.0" encoding="utf-8"?>
 <p:sld xmlns:a="http://schemas.openxmlformats.org/drawingml/2006/main" xmlns:r="http://schemas.openxmlformats.org/officeDocument/2006/relationships" xmlns:p="http://schemas.openxmlformats.org/presentationml/2006/main">
   <p:cSld>
     <p:spTree>
@@ -12296,6 +11964,20 @@
           <a:prstGeom prst="rect">
             <a:avLst/>
           </a:prstGeom>
+          <a:ln>
+            <a:solidFill>
+              <a:schemeClr val="bg2">
+                <a:lumMod val="75000"/>
+              </a:schemeClr>
+            </a:solidFill>
+          </a:ln>
+          <a:effectLst>
+            <a:outerShdw blurRad="50800" dist="38100" dir="5400000" algn="t" rotWithShape="0">
+              <a:prstClr val="black">
+                <a:alpha val="40000"/>
+              </a:prstClr>
+            </a:outerShdw>
+          </a:effectLst>
         </p:spPr>
       </p:pic>
       <p:sp>
@@ -12363,7 +12045,7 @@
 </p:sld>
 </file>
 
-<file path=ppt/slides/slide16.xml><?xml version="1.0" encoding="utf-8"?>
+<file path=ppt/slides/slide15.xml><?xml version="1.0" encoding="utf-8"?>
 <p:sld xmlns:a="http://schemas.openxmlformats.org/drawingml/2006/main" xmlns:r="http://schemas.openxmlformats.org/officeDocument/2006/relationships" xmlns:p="http://schemas.openxmlformats.org/presentationml/2006/main">
   <p:cSld>
     <p:spTree>
@@ -12576,7 +12258,7 @@
 </p:sld>
 </file>
 
-<file path=ppt/slides/slide17.xml><?xml version="1.0" encoding="utf-8"?>
+<file path=ppt/slides/slide16.xml><?xml version="1.0" encoding="utf-8"?>
 <p:sld xmlns:a="http://schemas.openxmlformats.org/drawingml/2006/main" xmlns:r="http://schemas.openxmlformats.org/officeDocument/2006/relationships" xmlns:p="http://schemas.openxmlformats.org/presentationml/2006/main">
   <p:cSld>
     <p:spTree>
@@ -12682,120 +12364,144 @@
           </a:p>
         </p:txBody>
       </p:sp>
-      <mc:AlternateContent xmlns:mc="http://schemas.openxmlformats.org/markup-compatibility/2006">
-        <mc:Choice xmlns:a14="http://schemas.microsoft.com/office/drawing/2010/main" Requires="a14">
-          <p:sp>
-            <p:nvSpPr>
-              <p:cNvPr id="8" name="TextBox 7">
-                <a:extLst>
-                  <a:ext uri="{FF2B5EF4-FFF2-40B4-BE49-F238E27FC236}">
-                    <a16:creationId xmlns:a16="http://schemas.microsoft.com/office/drawing/2014/main" id="{1FC2CD4C-B40C-DBBF-BC53-FE000B9E5A95}"/>
-                  </a:ext>
-                </a:extLst>
-              </p:cNvPr>
-              <p:cNvSpPr txBox="1"/>
-              <p:nvPr/>
-            </p:nvSpPr>
-            <p:spPr>
-              <a:xfrm>
-                <a:off x="831526" y="1588536"/>
-                <a:ext cx="10388699" cy="584775"/>
-              </a:xfrm>
-              <a:prstGeom prst="rect">
-                <a:avLst/>
-              </a:prstGeom>
-              <a:noFill/>
-            </p:spPr>
-            <p:txBody>
-              <a:bodyPr wrap="square" rtlCol="0">
-                <a:spAutoFit/>
-              </a:bodyPr>
-              <a:lstStyle/>
-              <a:p>
-                <a:pPr algn="just"/>
-                <a:r>
-                  <a:rPr lang="en-US" sz="1600" dirty="0" err="1">
-                    <a:latin typeface="Garamond" panose="02020404030301010803" pitchFamily="18" charset="0"/>
-                  </a:rPr>
-                  <a:t>Assertion_fails_intentionally</a:t>
-                </a:r>
-                <a:r>
-                  <a:rPr lang="en-US" sz="1600" dirty="0">
-                    <a:latin typeface="Garamond" panose="02020404030301010803" pitchFamily="18" charset="0"/>
-                  </a:rPr>
-                  <a:t> – The loop would terminate with </a:t>
-                </a:r>
-                <a14:m>
-                  <m:oMath xmlns:m="http://schemas.openxmlformats.org/officeDocument/2006/math">
-                    <m:r>
-                      <a:rPr lang="en-US" sz="1600" b="0" i="1" smtClean="0">
-                        <a:latin typeface="Cambria Math" panose="02040503050406030204" pitchFamily="18" charset="0"/>
-                      </a:rPr>
-                      <m:t>𝑖</m:t>
-                    </m:r>
-                  </m:oMath>
-                </a14:m>
-                <a:r>
-                  <a:rPr lang="en-US" sz="1600" dirty="0">
-                    <a:latin typeface="Garamond" panose="02020404030301010803" pitchFamily="18" charset="0"/>
-                  </a:rPr>
-                  <a:t> having odd value.</a:t>
-                </a:r>
-              </a:p>
-              <a:p>
-                <a:pPr algn="just"/>
-                <a:endParaRPr lang="en-US" sz="1600" dirty="0">
-                  <a:latin typeface="Garamond" panose="02020404030301010803" pitchFamily="18" charset="0"/>
-                </a:endParaRPr>
-              </a:p>
-            </p:txBody>
-          </p:sp>
-        </mc:Choice>
-        <mc:Fallback>
-          <p:sp>
-            <p:nvSpPr>
-              <p:cNvPr id="8" name="TextBox 7">
-                <a:extLst>
-                  <a:ext uri="{FF2B5EF4-FFF2-40B4-BE49-F238E27FC236}">
-                    <a16:creationId xmlns:a16="http://schemas.microsoft.com/office/drawing/2014/main" id="{1FC2CD4C-B40C-DBBF-BC53-FE000B9E5A95}"/>
-                  </a:ext>
-                </a:extLst>
-              </p:cNvPr>
-              <p:cNvSpPr txBox="1">
-                <a:spLocks noRot="1" noChangeAspect="1" noMove="1" noResize="1" noEditPoints="1" noAdjustHandles="1" noChangeArrowheads="1" noChangeShapeType="1" noTextEdit="1"/>
-              </p:cNvSpPr>
-              <p:nvPr/>
-            </p:nvSpPr>
-            <p:spPr>
-              <a:xfrm>
-                <a:off x="831526" y="1588536"/>
-                <a:ext cx="10388699" cy="584775"/>
-              </a:xfrm>
-              <a:prstGeom prst="rect">
-                <a:avLst/>
-              </a:prstGeom>
-              <a:blipFill>
-                <a:blip r:embed="rId2"/>
-                <a:stretch>
-                  <a:fillRect l="-293" t="-2083"/>
-                </a:stretch>
-              </a:blipFill>
-            </p:spPr>
-            <p:txBody>
-              <a:bodyPr/>
-              <a:lstStyle/>
-              <a:p>
-                <a:r>
-                  <a:rPr lang="en-GB">
-                    <a:noFill/>
-                  </a:rPr>
-                  <a:t> </a:t>
-                </a:r>
-              </a:p>
-            </p:txBody>
-          </p:sp>
-        </mc:Fallback>
-      </mc:AlternateContent>
+      <p:sp>
+        <p:nvSpPr>
+          <p:cNvPr id="8" name="TextBox 7">
+            <a:extLst>
+              <a:ext uri="{FF2B5EF4-FFF2-40B4-BE49-F238E27FC236}">
+                <a16:creationId xmlns:a16="http://schemas.microsoft.com/office/drawing/2014/main" id="{1FC2CD4C-B40C-DBBF-BC53-FE000B9E5A95}"/>
+              </a:ext>
+            </a:extLst>
+          </p:cNvPr>
+          <p:cNvSpPr txBox="1"/>
+          <p:nvPr/>
+        </p:nvSpPr>
+        <p:spPr>
+          <a:xfrm>
+            <a:off x="831526" y="1588536"/>
+            <a:ext cx="10388699" cy="584775"/>
+          </a:xfrm>
+          <a:prstGeom prst="rect">
+            <a:avLst/>
+          </a:prstGeom>
+          <a:noFill/>
+        </p:spPr>
+        <p:txBody>
+          <a:bodyPr wrap="square" rtlCol="0">
+            <a:spAutoFit/>
+          </a:bodyPr>
+          <a:lstStyle/>
+          <a:p>
+            <a:pPr algn="just"/>
+            <a:r>
+              <a:rPr lang="en-US" sz="1600" dirty="0" err="1">
+                <a:latin typeface="Garamond" panose="02020404030301010803" pitchFamily="18" charset="0"/>
+              </a:rPr>
+              <a:t>simple_test</a:t>
+            </a:r>
+            <a:r>
+              <a:rPr lang="en-US" sz="1600" dirty="0">
+                <a:latin typeface="Garamond" panose="02020404030301010803" pitchFamily="18" charset="0"/>
+              </a:rPr>
+              <a:t> – Demonstrates basic assertions in the domain.</a:t>
+            </a:r>
+          </a:p>
+          <a:p>
+            <a:pPr algn="just"/>
+            <a:endParaRPr lang="en-US" sz="1600" dirty="0">
+              <a:latin typeface="Garamond" panose="02020404030301010803" pitchFamily="18" charset="0"/>
+            </a:endParaRPr>
+          </a:p>
+        </p:txBody>
+      </p:sp>
+      <p:pic>
+        <p:nvPicPr>
+          <p:cNvPr id="5" name="Picture 4">
+            <a:extLst>
+              <a:ext uri="{FF2B5EF4-FFF2-40B4-BE49-F238E27FC236}">
+                <a16:creationId xmlns:a16="http://schemas.microsoft.com/office/drawing/2014/main" id="{D4C34EE4-1BBC-4E9C-1F97-77FC5C6D2EB4}"/>
+              </a:ext>
+            </a:extLst>
+          </p:cNvPr>
+          <p:cNvPicPr>
+            <a:picLocks noChangeAspect="1"/>
+          </p:cNvPicPr>
+          <p:nvPr/>
+        </p:nvPicPr>
+        <p:blipFill>
+          <a:blip r:embed="rId2"/>
+          <a:stretch>
+            <a:fillRect/>
+          </a:stretch>
+        </p:blipFill>
+        <p:spPr>
+          <a:xfrm>
+            <a:off x="4784324" y="2256079"/>
+            <a:ext cx="6779517" cy="3745683"/>
+          </a:xfrm>
+          <a:prstGeom prst="rect">
+            <a:avLst/>
+          </a:prstGeom>
+          <a:ln>
+            <a:solidFill>
+              <a:schemeClr val="bg2">
+                <a:lumMod val="75000"/>
+              </a:schemeClr>
+            </a:solidFill>
+          </a:ln>
+          <a:effectLst>
+            <a:outerShdw blurRad="50800" dist="38100" dir="5400000" algn="t" rotWithShape="0">
+              <a:prstClr val="black">
+                <a:alpha val="40000"/>
+              </a:prstClr>
+            </a:outerShdw>
+          </a:effectLst>
+        </p:spPr>
+      </p:pic>
+      <p:pic>
+        <p:nvPicPr>
+          <p:cNvPr id="7" name="Picture 6">
+            <a:extLst>
+              <a:ext uri="{FF2B5EF4-FFF2-40B4-BE49-F238E27FC236}">
+                <a16:creationId xmlns:a16="http://schemas.microsoft.com/office/drawing/2014/main" id="{F58C0E4D-0D73-1D06-5F2C-7F4F0113F610}"/>
+              </a:ext>
+            </a:extLst>
+          </p:cNvPr>
+          <p:cNvPicPr>
+            <a:picLocks noChangeAspect="1"/>
+          </p:cNvPicPr>
+          <p:nvPr/>
+        </p:nvPicPr>
+        <p:blipFill>
+          <a:blip r:embed="rId3"/>
+          <a:stretch>
+            <a:fillRect/>
+          </a:stretch>
+        </p:blipFill>
+        <p:spPr>
+          <a:xfrm>
+            <a:off x="897055" y="2256080"/>
+            <a:ext cx="2627380" cy="1357882"/>
+          </a:xfrm>
+          <a:prstGeom prst="rect">
+            <a:avLst/>
+          </a:prstGeom>
+          <a:ln>
+            <a:solidFill>
+              <a:schemeClr val="bg2">
+                <a:lumMod val="75000"/>
+              </a:schemeClr>
+            </a:solidFill>
+          </a:ln>
+          <a:effectLst>
+            <a:outerShdw blurRad="50800" dist="38100" dir="5400000" algn="t" rotWithShape="0">
+              <a:prstClr val="black">
+                <a:alpha val="40000"/>
+              </a:prstClr>
+            </a:outerShdw>
+          </a:effectLst>
+        </p:spPr>
+      </p:pic>
     </p:spTree>
     <p:extLst>
       <p:ext uri="{BB962C8B-B14F-4D97-AF65-F5344CB8AC3E}">
@@ -12809,240 +12515,7 @@
 </p:sld>
 </file>
 
-<file path=ppt/slides/slide18.xml><?xml version="1.0" encoding="utf-8"?>
-<p:sld xmlns:a="http://schemas.openxmlformats.org/drawingml/2006/main" xmlns:r="http://schemas.openxmlformats.org/officeDocument/2006/relationships" xmlns:p="http://schemas.openxmlformats.org/presentationml/2006/main">
-  <p:cSld>
-    <p:spTree>
-      <p:nvGrpSpPr>
-        <p:cNvPr id="1" name=""/>
-        <p:cNvGrpSpPr/>
-        <p:nvPr/>
-      </p:nvGrpSpPr>
-      <p:grpSpPr>
-        <a:xfrm>
-          <a:off x="0" y="0"/>
-          <a:ext cx="0" cy="0"/>
-          <a:chOff x="0" y="0"/>
-          <a:chExt cx="0" cy="0"/>
-        </a:xfrm>
-      </p:grpSpPr>
-      <p:sp>
-        <p:nvSpPr>
-          <p:cNvPr id="3" name="Rectangle: Rounded Corners 2">
-            <a:extLst>
-              <a:ext uri="{FF2B5EF4-FFF2-40B4-BE49-F238E27FC236}">
-                <a16:creationId xmlns:a16="http://schemas.microsoft.com/office/drawing/2014/main" id="{F2928330-E780-3477-3030-AEC17F68A165}"/>
-              </a:ext>
-            </a:extLst>
-          </p:cNvPr>
-          <p:cNvSpPr/>
-          <p:nvPr/>
-        </p:nvSpPr>
-        <p:spPr>
-          <a:xfrm>
-            <a:off x="635000" y="577850"/>
-            <a:ext cx="11169650" cy="596900"/>
-          </a:xfrm>
-          <a:prstGeom prst="roundRect">
-            <a:avLst/>
-          </a:prstGeom>
-          <a:solidFill>
-            <a:schemeClr val="accent1">
-              <a:lumMod val="40000"/>
-              <a:lumOff val="60000"/>
-            </a:schemeClr>
-          </a:solidFill>
-        </p:spPr>
-        <p:style>
-          <a:lnRef idx="2">
-            <a:schemeClr val="accent1">
-              <a:shade val="15000"/>
-            </a:schemeClr>
-          </a:lnRef>
-          <a:fillRef idx="1">
-            <a:schemeClr val="accent1"/>
-          </a:fillRef>
-          <a:effectRef idx="0">
-            <a:schemeClr val="accent1"/>
-          </a:effectRef>
-          <a:fontRef idx="minor">
-            <a:schemeClr val="lt1"/>
-          </a:fontRef>
-        </p:style>
-        <p:txBody>
-          <a:bodyPr rtlCol="0" anchor="ctr"/>
-          <a:lstStyle/>
-          <a:p>
-            <a:pPr algn="ctr"/>
-            <a:endParaRPr lang="en-GB"/>
-          </a:p>
-        </p:txBody>
-      </p:sp>
-      <p:sp>
-        <p:nvSpPr>
-          <p:cNvPr id="2" name="TextBox 1">
-            <a:extLst>
-              <a:ext uri="{FF2B5EF4-FFF2-40B4-BE49-F238E27FC236}">
-                <a16:creationId xmlns:a16="http://schemas.microsoft.com/office/drawing/2014/main" id="{8740DFEE-772A-D4E7-E691-9C0167BE8008}"/>
-              </a:ext>
-            </a:extLst>
-          </p:cNvPr>
-          <p:cNvSpPr txBox="1"/>
-          <p:nvPr/>
-        </p:nvSpPr>
-        <p:spPr>
-          <a:xfrm>
-            <a:off x="831528" y="634647"/>
-            <a:ext cx="4731071" cy="461665"/>
-          </a:xfrm>
-          <a:prstGeom prst="rect">
-            <a:avLst/>
-          </a:prstGeom>
-          <a:noFill/>
-        </p:spPr>
-        <p:txBody>
-          <a:bodyPr wrap="square" rtlCol="0">
-            <a:spAutoFit/>
-          </a:bodyPr>
-          <a:lstStyle/>
-          <a:p>
-            <a:r>
-              <a:rPr lang="en-US" sz="2400" b="1" dirty="0">
-                <a:latin typeface="Garamond" panose="02020404030301010803" pitchFamily="18" charset="0"/>
-              </a:rPr>
-              <a:t>Test Programs – Summation 5</a:t>
-            </a:r>
-          </a:p>
-        </p:txBody>
-      </p:sp>
-      <mc:AlternateContent xmlns:mc="http://schemas.openxmlformats.org/markup-compatibility/2006">
-        <mc:Choice xmlns:a14="http://schemas.microsoft.com/office/drawing/2010/main" Requires="a14">
-          <p:sp>
-            <p:nvSpPr>
-              <p:cNvPr id="8" name="TextBox 7">
-                <a:extLst>
-                  <a:ext uri="{FF2B5EF4-FFF2-40B4-BE49-F238E27FC236}">
-                    <a16:creationId xmlns:a16="http://schemas.microsoft.com/office/drawing/2014/main" id="{1FC2CD4C-B40C-DBBF-BC53-FE000B9E5A95}"/>
-                  </a:ext>
-                </a:extLst>
-              </p:cNvPr>
-              <p:cNvSpPr txBox="1"/>
-              <p:nvPr/>
-            </p:nvSpPr>
-            <p:spPr>
-              <a:xfrm>
-                <a:off x="831526" y="1588536"/>
-                <a:ext cx="10388699" cy="584775"/>
-              </a:xfrm>
-              <a:prstGeom prst="rect">
-                <a:avLst/>
-              </a:prstGeom>
-              <a:noFill/>
-            </p:spPr>
-            <p:txBody>
-              <a:bodyPr wrap="square" rtlCol="0">
-                <a:spAutoFit/>
-              </a:bodyPr>
-              <a:lstStyle/>
-              <a:p>
-                <a:pPr algn="just"/>
-                <a:r>
-                  <a:rPr lang="en-US" sz="1600" dirty="0" err="1">
-                    <a:latin typeface="Garamond" panose="02020404030301010803" pitchFamily="18" charset="0"/>
-                  </a:rPr>
-                  <a:t>Assertion_fails_intentionally</a:t>
-                </a:r>
-                <a:r>
-                  <a:rPr lang="en-US" sz="1600" dirty="0">
-                    <a:latin typeface="Garamond" panose="02020404030301010803" pitchFamily="18" charset="0"/>
-                  </a:rPr>
-                  <a:t> – The loop would terminate with </a:t>
-                </a:r>
-                <a14:m>
-                  <m:oMath xmlns:m="http://schemas.openxmlformats.org/officeDocument/2006/math">
-                    <m:r>
-                      <a:rPr lang="en-US" sz="1600" b="0" i="1" smtClean="0">
-                        <a:latin typeface="Cambria Math" panose="02040503050406030204" pitchFamily="18" charset="0"/>
-                      </a:rPr>
-                      <m:t>𝑖</m:t>
-                    </m:r>
-                  </m:oMath>
-                </a14:m>
-                <a:r>
-                  <a:rPr lang="en-US" sz="1600" dirty="0">
-                    <a:latin typeface="Garamond" panose="02020404030301010803" pitchFamily="18" charset="0"/>
-                  </a:rPr>
-                  <a:t> having odd value.</a:t>
-                </a:r>
-              </a:p>
-              <a:p>
-                <a:pPr algn="just"/>
-                <a:endParaRPr lang="en-US" sz="1600" dirty="0">
-                  <a:latin typeface="Garamond" panose="02020404030301010803" pitchFamily="18" charset="0"/>
-                </a:endParaRPr>
-              </a:p>
-            </p:txBody>
-          </p:sp>
-        </mc:Choice>
-        <mc:Fallback>
-          <p:sp>
-            <p:nvSpPr>
-              <p:cNvPr id="8" name="TextBox 7">
-                <a:extLst>
-                  <a:ext uri="{FF2B5EF4-FFF2-40B4-BE49-F238E27FC236}">
-                    <a16:creationId xmlns:a16="http://schemas.microsoft.com/office/drawing/2014/main" id="{1FC2CD4C-B40C-DBBF-BC53-FE000B9E5A95}"/>
-                  </a:ext>
-                </a:extLst>
-              </p:cNvPr>
-              <p:cNvSpPr txBox="1">
-                <a:spLocks noRot="1" noChangeAspect="1" noMove="1" noResize="1" noEditPoints="1" noAdjustHandles="1" noChangeArrowheads="1" noChangeShapeType="1" noTextEdit="1"/>
-              </p:cNvSpPr>
-              <p:nvPr/>
-            </p:nvSpPr>
-            <p:spPr>
-              <a:xfrm>
-                <a:off x="831526" y="1588536"/>
-                <a:ext cx="10388699" cy="584775"/>
-              </a:xfrm>
-              <a:prstGeom prst="rect">
-                <a:avLst/>
-              </a:prstGeom>
-              <a:blipFill>
-                <a:blip r:embed="rId2"/>
-                <a:stretch>
-                  <a:fillRect l="-293" t="-2083"/>
-                </a:stretch>
-              </a:blipFill>
-            </p:spPr>
-            <p:txBody>
-              <a:bodyPr/>
-              <a:lstStyle/>
-              <a:p>
-                <a:r>
-                  <a:rPr lang="en-GB">
-                    <a:noFill/>
-                  </a:rPr>
-                  <a:t> </a:t>
-                </a:r>
-              </a:p>
-            </p:txBody>
-          </p:sp>
-        </mc:Fallback>
-      </mc:AlternateContent>
-    </p:spTree>
-    <p:extLst>
-      <p:ext uri="{BB962C8B-B14F-4D97-AF65-F5344CB8AC3E}">
-        <p14:creationId xmlns:p14="http://schemas.microsoft.com/office/powerpoint/2010/main" val="3903656192"/>
-      </p:ext>
-    </p:extLst>
-  </p:cSld>
-  <p:clrMapOvr>
-    <a:masterClrMapping/>
-  </p:clrMapOvr>
-</p:sld>
-</file>
-
-<file path=ppt/slides/slide19.xml><?xml version="1.0" encoding="utf-8"?>
+<file path=ppt/slides/slide17.xml><?xml version="1.0" encoding="utf-8"?>
 <p:sld xmlns:a="http://schemas.openxmlformats.org/drawingml/2006/main" xmlns:r="http://schemas.openxmlformats.org/officeDocument/2006/relationships" xmlns:p="http://schemas.openxmlformats.org/presentationml/2006/main">
   <p:cSld>
     <p:spTree>
@@ -13196,7 +12669,19 @@
               <a:rPr lang="en-US" sz="1600" dirty="0">
                 <a:latin typeface="Garamond" panose="02020404030301010803" pitchFamily="18" charset="0"/>
               </a:rPr>
-              <a:t>I used two more tests, shown in the following slides.</a:t>
+              <a:t>In addition</a:t>
+            </a:r>
+            <a:r>
+              <a:rPr lang="en-US" sz="1600">
+                <a:latin typeface="Garamond" panose="02020404030301010803" pitchFamily="18" charset="0"/>
+              </a:rPr>
+              <a:t>, I </a:t>
+            </a:r>
+            <a:r>
+              <a:rPr lang="en-US" sz="1600" dirty="0">
+                <a:latin typeface="Garamond" panose="02020404030301010803" pitchFamily="18" charset="0"/>
+              </a:rPr>
+              <a:t>used two more tests, shown in the following slides.</a:t>
             </a:r>
           </a:p>
         </p:txBody>
@@ -13205,6 +12690,552 @@
     <p:extLst>
       <p:ext uri="{BB962C8B-B14F-4D97-AF65-F5344CB8AC3E}">
         <p14:creationId xmlns:p14="http://schemas.microsoft.com/office/powerpoint/2010/main" val="3402759767"/>
+      </p:ext>
+    </p:extLst>
+  </p:cSld>
+  <p:clrMapOvr>
+    <a:masterClrMapping/>
+  </p:clrMapOvr>
+</p:sld>
+</file>
+
+<file path=ppt/slides/slide18.xml><?xml version="1.0" encoding="utf-8"?>
+<p:sld xmlns:a="http://schemas.openxmlformats.org/drawingml/2006/main" xmlns:r="http://schemas.openxmlformats.org/officeDocument/2006/relationships" xmlns:p="http://schemas.openxmlformats.org/presentationml/2006/main">
+  <p:cSld>
+    <p:spTree>
+      <p:nvGrpSpPr>
+        <p:cNvPr id="1" name=""/>
+        <p:cNvGrpSpPr/>
+        <p:nvPr/>
+      </p:nvGrpSpPr>
+      <p:grpSpPr>
+        <a:xfrm>
+          <a:off x="0" y="0"/>
+          <a:ext cx="0" cy="0"/>
+          <a:chOff x="0" y="0"/>
+          <a:chExt cx="0" cy="0"/>
+        </a:xfrm>
+      </p:grpSpPr>
+      <p:sp>
+        <p:nvSpPr>
+          <p:cNvPr id="3" name="Rectangle: Rounded Corners 2">
+            <a:extLst>
+              <a:ext uri="{FF2B5EF4-FFF2-40B4-BE49-F238E27FC236}">
+                <a16:creationId xmlns:a16="http://schemas.microsoft.com/office/drawing/2014/main" id="{F2928330-E780-3477-3030-AEC17F68A165}"/>
+              </a:ext>
+            </a:extLst>
+          </p:cNvPr>
+          <p:cNvSpPr/>
+          <p:nvPr/>
+        </p:nvSpPr>
+        <p:spPr>
+          <a:xfrm>
+            <a:off x="635000" y="577850"/>
+            <a:ext cx="11169650" cy="596900"/>
+          </a:xfrm>
+          <a:prstGeom prst="roundRect">
+            <a:avLst/>
+          </a:prstGeom>
+          <a:solidFill>
+            <a:schemeClr val="accent1">
+              <a:lumMod val="40000"/>
+              <a:lumOff val="60000"/>
+            </a:schemeClr>
+          </a:solidFill>
+        </p:spPr>
+        <p:style>
+          <a:lnRef idx="2">
+            <a:schemeClr val="accent1">
+              <a:shade val="15000"/>
+            </a:schemeClr>
+          </a:lnRef>
+          <a:fillRef idx="1">
+            <a:schemeClr val="accent1"/>
+          </a:fillRef>
+          <a:effectRef idx="0">
+            <a:schemeClr val="accent1"/>
+          </a:effectRef>
+          <a:fontRef idx="minor">
+            <a:schemeClr val="lt1"/>
+          </a:fontRef>
+        </p:style>
+        <p:txBody>
+          <a:bodyPr rtlCol="0" anchor="ctr"/>
+          <a:lstStyle/>
+          <a:p>
+            <a:pPr algn="ctr"/>
+            <a:endParaRPr lang="en-GB"/>
+          </a:p>
+        </p:txBody>
+      </p:sp>
+      <p:sp>
+        <p:nvSpPr>
+          <p:cNvPr id="2" name="TextBox 1">
+            <a:extLst>
+              <a:ext uri="{FF2B5EF4-FFF2-40B4-BE49-F238E27FC236}">
+                <a16:creationId xmlns:a16="http://schemas.microsoft.com/office/drawing/2014/main" id="{8740DFEE-772A-D4E7-E691-9C0167BE8008}"/>
+              </a:ext>
+            </a:extLst>
+          </p:cNvPr>
+          <p:cNvSpPr txBox="1"/>
+          <p:nvPr/>
+        </p:nvSpPr>
+        <p:spPr>
+          <a:xfrm>
+            <a:off x="831528" y="634647"/>
+            <a:ext cx="5721672" cy="461665"/>
+          </a:xfrm>
+          <a:prstGeom prst="rect">
+            <a:avLst/>
+          </a:prstGeom>
+          <a:noFill/>
+        </p:spPr>
+        <p:txBody>
+          <a:bodyPr wrap="square" rtlCol="0">
+            <a:spAutoFit/>
+          </a:bodyPr>
+          <a:lstStyle/>
+          <a:p>
+            <a:r>
+              <a:rPr lang="en-US" sz="2400" b="1" dirty="0">
+                <a:latin typeface="Garamond" panose="02020404030301010803" pitchFamily="18" charset="0"/>
+              </a:rPr>
+              <a:t>Test Programs – Combined Domain 1</a:t>
+            </a:r>
+          </a:p>
+        </p:txBody>
+      </p:sp>
+      <p:sp>
+        <p:nvSpPr>
+          <p:cNvPr id="8" name="TextBox 7">
+            <a:extLst>
+              <a:ext uri="{FF2B5EF4-FFF2-40B4-BE49-F238E27FC236}">
+                <a16:creationId xmlns:a16="http://schemas.microsoft.com/office/drawing/2014/main" id="{1FC2CD4C-B40C-DBBF-BC53-FE000B9E5A95}"/>
+              </a:ext>
+            </a:extLst>
+          </p:cNvPr>
+          <p:cNvSpPr txBox="1"/>
+          <p:nvPr/>
+        </p:nvSpPr>
+        <p:spPr>
+          <a:xfrm>
+            <a:off x="556318" y="1618144"/>
+            <a:ext cx="10388699" cy="338554"/>
+          </a:xfrm>
+          <a:prstGeom prst="rect">
+            <a:avLst/>
+          </a:prstGeom>
+          <a:noFill/>
+        </p:spPr>
+        <p:txBody>
+          <a:bodyPr wrap="square" rtlCol="0">
+            <a:spAutoFit/>
+          </a:bodyPr>
+          <a:lstStyle/>
+          <a:p>
+            <a:pPr algn="just"/>
+            <a:r>
+              <a:rPr lang="en-US" sz="1600" dirty="0" err="1">
+                <a:latin typeface="Garamond" panose="02020404030301010803" pitchFamily="18" charset="0"/>
+              </a:rPr>
+              <a:t>successful_run</a:t>
+            </a:r>
+            <a:r>
+              <a:rPr lang="en-US" sz="1600" dirty="0">
+                <a:latin typeface="Garamond" panose="02020404030301010803" pitchFamily="18" charset="0"/>
+              </a:rPr>
+              <a:t> – </a:t>
+            </a:r>
+          </a:p>
+        </p:txBody>
+      </p:sp>
+      <p:pic>
+        <p:nvPicPr>
+          <p:cNvPr id="5" name="Picture 4">
+            <a:extLst>
+              <a:ext uri="{FF2B5EF4-FFF2-40B4-BE49-F238E27FC236}">
+                <a16:creationId xmlns:a16="http://schemas.microsoft.com/office/drawing/2014/main" id="{9B97ADD8-E813-0C91-4D94-3B7BD2A4948E}"/>
+              </a:ext>
+            </a:extLst>
+          </p:cNvPr>
+          <p:cNvPicPr>
+            <a:picLocks noChangeAspect="1"/>
+          </p:cNvPicPr>
+          <p:nvPr/>
+        </p:nvPicPr>
+        <p:blipFill>
+          <a:blip r:embed="rId2"/>
+          <a:stretch>
+            <a:fillRect/>
+          </a:stretch>
+        </p:blipFill>
+        <p:spPr>
+          <a:xfrm>
+            <a:off x="635000" y="2050511"/>
+            <a:ext cx="2645718" cy="1056674"/>
+          </a:xfrm>
+          <a:prstGeom prst="rect">
+            <a:avLst/>
+          </a:prstGeom>
+          <a:ln>
+            <a:solidFill>
+              <a:schemeClr val="bg2">
+                <a:lumMod val="75000"/>
+              </a:schemeClr>
+            </a:solidFill>
+          </a:ln>
+          <a:effectLst>
+            <a:outerShdw blurRad="50800" dist="38100" dir="5400000" algn="t" rotWithShape="0">
+              <a:prstClr val="black">
+                <a:alpha val="40000"/>
+              </a:prstClr>
+            </a:outerShdw>
+          </a:effectLst>
+        </p:spPr>
+      </p:pic>
+      <p:pic>
+        <p:nvPicPr>
+          <p:cNvPr id="7" name="Picture 6">
+            <a:extLst>
+              <a:ext uri="{FF2B5EF4-FFF2-40B4-BE49-F238E27FC236}">
+                <a16:creationId xmlns:a16="http://schemas.microsoft.com/office/drawing/2014/main" id="{E884C48D-6928-0E4C-6AF2-38FAE7A5D969}"/>
+              </a:ext>
+            </a:extLst>
+          </p:cNvPr>
+          <p:cNvPicPr>
+            <a:picLocks noChangeAspect="1"/>
+          </p:cNvPicPr>
+          <p:nvPr/>
+        </p:nvPicPr>
+        <p:blipFill>
+          <a:blip r:embed="rId3"/>
+          <a:stretch>
+            <a:fillRect/>
+          </a:stretch>
+        </p:blipFill>
+        <p:spPr>
+          <a:xfrm>
+            <a:off x="5156716" y="2050511"/>
+            <a:ext cx="6647934" cy="3625727"/>
+          </a:xfrm>
+          <a:prstGeom prst="rect">
+            <a:avLst/>
+          </a:prstGeom>
+          <a:ln>
+            <a:solidFill>
+              <a:schemeClr val="bg2">
+                <a:lumMod val="75000"/>
+              </a:schemeClr>
+            </a:solidFill>
+          </a:ln>
+          <a:effectLst>
+            <a:outerShdw blurRad="50800" dist="38100" dir="5400000" algn="t" rotWithShape="0">
+              <a:prstClr val="black">
+                <a:alpha val="40000"/>
+              </a:prstClr>
+            </a:outerShdw>
+          </a:effectLst>
+        </p:spPr>
+      </p:pic>
+      <p:pic>
+        <p:nvPicPr>
+          <p:cNvPr id="10" name="Picture 9">
+            <a:extLst>
+              <a:ext uri="{FF2B5EF4-FFF2-40B4-BE49-F238E27FC236}">
+                <a16:creationId xmlns:a16="http://schemas.microsoft.com/office/drawing/2014/main" id="{88F70E6A-4182-BB16-E69B-7FBFC44C2B14}"/>
+              </a:ext>
+            </a:extLst>
+          </p:cNvPr>
+          <p:cNvPicPr>
+            <a:picLocks noChangeAspect="1"/>
+          </p:cNvPicPr>
+          <p:nvPr/>
+        </p:nvPicPr>
+        <p:blipFill>
+          <a:blip r:embed="rId4"/>
+          <a:stretch>
+            <a:fillRect/>
+          </a:stretch>
+        </p:blipFill>
+        <p:spPr>
+          <a:xfrm>
+            <a:off x="635000" y="3309194"/>
+            <a:ext cx="4744868" cy="2811158"/>
+          </a:xfrm>
+          <a:prstGeom prst="rect">
+            <a:avLst/>
+          </a:prstGeom>
+          <a:ln>
+            <a:solidFill>
+              <a:schemeClr val="bg2">
+                <a:lumMod val="75000"/>
+              </a:schemeClr>
+            </a:solidFill>
+          </a:ln>
+          <a:effectLst>
+            <a:outerShdw blurRad="50800" dist="38100" dir="5400000" algn="t" rotWithShape="0">
+              <a:prstClr val="black">
+                <a:alpha val="40000"/>
+              </a:prstClr>
+            </a:outerShdw>
+          </a:effectLst>
+        </p:spPr>
+      </p:pic>
+    </p:spTree>
+    <p:extLst>
+      <p:ext uri="{BB962C8B-B14F-4D97-AF65-F5344CB8AC3E}">
+        <p14:creationId xmlns:p14="http://schemas.microsoft.com/office/powerpoint/2010/main" val="2816514483"/>
+      </p:ext>
+    </p:extLst>
+  </p:cSld>
+  <p:clrMapOvr>
+    <a:masterClrMapping/>
+  </p:clrMapOvr>
+</p:sld>
+</file>
+
+<file path=ppt/slides/slide19.xml><?xml version="1.0" encoding="utf-8"?>
+<p:sld xmlns:a="http://schemas.openxmlformats.org/drawingml/2006/main" xmlns:r="http://schemas.openxmlformats.org/officeDocument/2006/relationships" xmlns:p="http://schemas.openxmlformats.org/presentationml/2006/main">
+  <p:cSld>
+    <p:spTree>
+      <p:nvGrpSpPr>
+        <p:cNvPr id="1" name=""/>
+        <p:cNvGrpSpPr/>
+        <p:nvPr/>
+      </p:nvGrpSpPr>
+      <p:grpSpPr>
+        <a:xfrm>
+          <a:off x="0" y="0"/>
+          <a:ext cx="0" cy="0"/>
+          <a:chOff x="0" y="0"/>
+          <a:chExt cx="0" cy="0"/>
+        </a:xfrm>
+      </p:grpSpPr>
+      <p:sp>
+        <p:nvSpPr>
+          <p:cNvPr id="3" name="Rectangle: Rounded Corners 2">
+            <a:extLst>
+              <a:ext uri="{FF2B5EF4-FFF2-40B4-BE49-F238E27FC236}">
+                <a16:creationId xmlns:a16="http://schemas.microsoft.com/office/drawing/2014/main" id="{F2928330-E780-3477-3030-AEC17F68A165}"/>
+              </a:ext>
+            </a:extLst>
+          </p:cNvPr>
+          <p:cNvSpPr/>
+          <p:nvPr/>
+        </p:nvSpPr>
+        <p:spPr>
+          <a:xfrm>
+            <a:off x="635000" y="577850"/>
+            <a:ext cx="11169650" cy="596900"/>
+          </a:xfrm>
+          <a:prstGeom prst="roundRect">
+            <a:avLst/>
+          </a:prstGeom>
+          <a:solidFill>
+            <a:schemeClr val="accent1">
+              <a:lumMod val="40000"/>
+              <a:lumOff val="60000"/>
+            </a:schemeClr>
+          </a:solidFill>
+        </p:spPr>
+        <p:style>
+          <a:lnRef idx="2">
+            <a:schemeClr val="accent1">
+              <a:shade val="15000"/>
+            </a:schemeClr>
+          </a:lnRef>
+          <a:fillRef idx="1">
+            <a:schemeClr val="accent1"/>
+          </a:fillRef>
+          <a:effectRef idx="0">
+            <a:schemeClr val="accent1"/>
+          </a:effectRef>
+          <a:fontRef idx="minor">
+            <a:schemeClr val="lt1"/>
+          </a:fontRef>
+        </p:style>
+        <p:txBody>
+          <a:bodyPr rtlCol="0" anchor="ctr"/>
+          <a:lstStyle/>
+          <a:p>
+            <a:pPr algn="ctr"/>
+            <a:endParaRPr lang="en-GB"/>
+          </a:p>
+        </p:txBody>
+      </p:sp>
+      <p:sp>
+        <p:nvSpPr>
+          <p:cNvPr id="2" name="TextBox 1">
+            <a:extLst>
+              <a:ext uri="{FF2B5EF4-FFF2-40B4-BE49-F238E27FC236}">
+                <a16:creationId xmlns:a16="http://schemas.microsoft.com/office/drawing/2014/main" id="{8740DFEE-772A-D4E7-E691-9C0167BE8008}"/>
+              </a:ext>
+            </a:extLst>
+          </p:cNvPr>
+          <p:cNvSpPr txBox="1"/>
+          <p:nvPr/>
+        </p:nvSpPr>
+        <p:spPr>
+          <a:xfrm>
+            <a:off x="831528" y="634647"/>
+            <a:ext cx="5721672" cy="461665"/>
+          </a:xfrm>
+          <a:prstGeom prst="rect">
+            <a:avLst/>
+          </a:prstGeom>
+          <a:noFill/>
+        </p:spPr>
+        <p:txBody>
+          <a:bodyPr wrap="square" rtlCol="0">
+            <a:spAutoFit/>
+          </a:bodyPr>
+          <a:lstStyle/>
+          <a:p>
+            <a:r>
+              <a:rPr lang="en-US" sz="2400" b="1" dirty="0">
+                <a:latin typeface="Garamond" panose="02020404030301010803" pitchFamily="18" charset="0"/>
+              </a:rPr>
+              <a:t>Test Programs – Combined Domain 2</a:t>
+            </a:r>
+          </a:p>
+        </p:txBody>
+      </p:sp>
+      <p:sp>
+        <p:nvSpPr>
+          <p:cNvPr id="8" name="TextBox 7">
+            <a:extLst>
+              <a:ext uri="{FF2B5EF4-FFF2-40B4-BE49-F238E27FC236}">
+                <a16:creationId xmlns:a16="http://schemas.microsoft.com/office/drawing/2014/main" id="{1FC2CD4C-B40C-DBBF-BC53-FE000B9E5A95}"/>
+              </a:ext>
+            </a:extLst>
+          </p:cNvPr>
+          <p:cNvSpPr txBox="1"/>
+          <p:nvPr/>
+        </p:nvSpPr>
+        <p:spPr>
+          <a:xfrm>
+            <a:off x="831526" y="1588536"/>
+            <a:ext cx="10388699" cy="338554"/>
+          </a:xfrm>
+          <a:prstGeom prst="rect">
+            <a:avLst/>
+          </a:prstGeom>
+          <a:noFill/>
+        </p:spPr>
+        <p:txBody>
+          <a:bodyPr wrap="square" rtlCol="0">
+            <a:spAutoFit/>
+          </a:bodyPr>
+          <a:lstStyle/>
+          <a:p>
+            <a:pPr algn="just"/>
+            <a:r>
+              <a:rPr lang="en-US" sz="1600" dirty="0" err="1">
+                <a:latin typeface="Garamond" panose="02020404030301010803" pitchFamily="18" charset="0"/>
+              </a:rPr>
+              <a:t>summation_fails</a:t>
+            </a:r>
+            <a:r>
+              <a:rPr lang="en-US" sz="1600" dirty="0">
+                <a:latin typeface="Garamond" panose="02020404030301010803" pitchFamily="18" charset="0"/>
+              </a:rPr>
+              <a:t> – </a:t>
+            </a:r>
+          </a:p>
+        </p:txBody>
+      </p:sp>
+      <p:pic>
+        <p:nvPicPr>
+          <p:cNvPr id="5" name="Picture 4">
+            <a:extLst>
+              <a:ext uri="{FF2B5EF4-FFF2-40B4-BE49-F238E27FC236}">
+                <a16:creationId xmlns:a16="http://schemas.microsoft.com/office/drawing/2014/main" id="{6A1BB774-A7C6-37B0-0295-2A15E990A07B}"/>
+              </a:ext>
+            </a:extLst>
+          </p:cNvPr>
+          <p:cNvPicPr>
+            <a:picLocks noChangeAspect="1"/>
+          </p:cNvPicPr>
+          <p:nvPr/>
+        </p:nvPicPr>
+        <p:blipFill>
+          <a:blip r:embed="rId2"/>
+          <a:stretch>
+            <a:fillRect/>
+          </a:stretch>
+        </p:blipFill>
+        <p:spPr>
+          <a:xfrm>
+            <a:off x="4099144" y="2130892"/>
+            <a:ext cx="7705506" cy="3618734"/>
+          </a:xfrm>
+          <a:prstGeom prst="rect">
+            <a:avLst/>
+          </a:prstGeom>
+          <a:ln>
+            <a:solidFill>
+              <a:schemeClr val="bg2">
+                <a:lumMod val="75000"/>
+              </a:schemeClr>
+            </a:solidFill>
+          </a:ln>
+          <a:effectLst>
+            <a:outerShdw blurRad="50800" dist="38100" dir="5400000" algn="t" rotWithShape="0">
+              <a:prstClr val="black">
+                <a:alpha val="40000"/>
+              </a:prstClr>
+            </a:outerShdw>
+          </a:effectLst>
+        </p:spPr>
+      </p:pic>
+      <p:pic>
+        <p:nvPicPr>
+          <p:cNvPr id="7" name="Picture 6">
+            <a:extLst>
+              <a:ext uri="{FF2B5EF4-FFF2-40B4-BE49-F238E27FC236}">
+                <a16:creationId xmlns:a16="http://schemas.microsoft.com/office/drawing/2014/main" id="{F4237A0E-CCA5-9407-A662-B3F7543C033B}"/>
+              </a:ext>
+            </a:extLst>
+          </p:cNvPr>
+          <p:cNvPicPr>
+            <a:picLocks noChangeAspect="1"/>
+          </p:cNvPicPr>
+          <p:nvPr/>
+        </p:nvPicPr>
+        <p:blipFill>
+          <a:blip r:embed="rId3"/>
+          <a:stretch>
+            <a:fillRect/>
+          </a:stretch>
+        </p:blipFill>
+        <p:spPr>
+          <a:xfrm>
+            <a:off x="920303" y="2130892"/>
+            <a:ext cx="2648288" cy="1123516"/>
+          </a:xfrm>
+          <a:prstGeom prst="rect">
+            <a:avLst/>
+          </a:prstGeom>
+          <a:ln>
+            <a:solidFill>
+              <a:schemeClr val="bg2">
+                <a:lumMod val="75000"/>
+              </a:schemeClr>
+            </a:solidFill>
+          </a:ln>
+          <a:effectLst>
+            <a:outerShdw blurRad="50800" dist="38100" dir="5400000" algn="t" rotWithShape="0">
+              <a:prstClr val="black">
+                <a:alpha val="40000"/>
+              </a:prstClr>
+            </a:outerShdw>
+          </a:effectLst>
+        </p:spPr>
+      </p:pic>
+    </p:spTree>
+    <p:extLst>
+      <p:ext uri="{BB962C8B-B14F-4D97-AF65-F5344CB8AC3E}">
+        <p14:creationId xmlns:p14="http://schemas.microsoft.com/office/powerpoint/2010/main" val="3731548538"/>
       </p:ext>
     </p:extLst>
   </p:cSld>
@@ -13569,7 +13600,7 @@
               <a:rPr lang="en-US" sz="2400" b="1" dirty="0">
                 <a:latin typeface="Garamond" panose="02020404030301010803" pitchFamily="18" charset="0"/>
               </a:rPr>
-              <a:t>Test Programs – Combined Domain 1</a:t>
+              <a:t>Test Programs – Combined Domain 3</a:t>
             </a:r>
           </a:p>
         </p:txBody>
@@ -13607,53 +13638,111 @@
               <a:rPr lang="en-US" sz="1600" dirty="0" err="1">
                 <a:latin typeface="Garamond" panose="02020404030301010803" pitchFamily="18" charset="0"/>
               </a:rPr>
-              <a:t>stopping_on_summation</a:t>
+              <a:t>parity_fails</a:t>
             </a:r>
             <a:r>
               <a:rPr lang="en-US" sz="1600" dirty="0">
                 <a:latin typeface="Garamond" panose="02020404030301010803" pitchFamily="18" charset="0"/>
               </a:rPr>
-              <a:t> – </a:t>
+              <a:t>– </a:t>
             </a:r>
           </a:p>
         </p:txBody>
       </p:sp>
-    </p:spTree>
-    <p:extLst>
-      <p:ext uri="{BB962C8B-B14F-4D97-AF65-F5344CB8AC3E}">
-        <p14:creationId xmlns:p14="http://schemas.microsoft.com/office/powerpoint/2010/main" val="3731548538"/>
-      </p:ext>
-    </p:extLst>
-  </p:cSld>
-  <p:clrMapOvr>
-    <a:masterClrMapping/>
-  </p:clrMapOvr>
-</p:sld>
-</file>
-
-<file path=ppt/slides/slide21.xml><?xml version="1.0" encoding="utf-8"?>
-<p:sld xmlns:a="http://schemas.openxmlformats.org/drawingml/2006/main" xmlns:r="http://schemas.openxmlformats.org/officeDocument/2006/relationships" xmlns:p="http://schemas.openxmlformats.org/presentationml/2006/main">
-  <p:cSld>
-    <p:spTree>
-      <p:nvGrpSpPr>
-        <p:cNvPr id="1" name=""/>
-        <p:cNvGrpSpPr/>
-        <p:nvPr/>
-      </p:nvGrpSpPr>
-      <p:grpSpPr>
-        <a:xfrm>
-          <a:off x="0" y="0"/>
-          <a:ext cx="0" cy="0"/>
-          <a:chOff x="0" y="0"/>
-          <a:chExt cx="0" cy="0"/>
-        </a:xfrm>
-      </p:grpSpPr>
+      <p:pic>
+        <p:nvPicPr>
+          <p:cNvPr id="10" name="Picture 9">
+            <a:extLst>
+              <a:ext uri="{FF2B5EF4-FFF2-40B4-BE49-F238E27FC236}">
+                <a16:creationId xmlns:a16="http://schemas.microsoft.com/office/drawing/2014/main" id="{937248C6-43DA-5E76-9EE5-C4BDCBFD725B}"/>
+              </a:ext>
+            </a:extLst>
+          </p:cNvPr>
+          <p:cNvPicPr>
+            <a:picLocks noChangeAspect="1"/>
+          </p:cNvPicPr>
+          <p:nvPr/>
+        </p:nvPicPr>
+        <p:blipFill>
+          <a:blip r:embed="rId2"/>
+          <a:stretch>
+            <a:fillRect/>
+          </a:stretch>
+        </p:blipFill>
+        <p:spPr>
+          <a:xfrm>
+            <a:off x="4098831" y="2132480"/>
+            <a:ext cx="7705819" cy="3559090"/>
+          </a:xfrm>
+          <a:prstGeom prst="rect">
+            <a:avLst/>
+          </a:prstGeom>
+          <a:ln>
+            <a:solidFill>
+              <a:schemeClr val="bg2">
+                <a:lumMod val="75000"/>
+              </a:schemeClr>
+            </a:solidFill>
+          </a:ln>
+          <a:effectLst>
+            <a:outerShdw blurRad="50800" dist="38100" dir="5400000" algn="t" rotWithShape="0">
+              <a:prstClr val="black">
+                <a:alpha val="40000"/>
+              </a:prstClr>
+            </a:outerShdw>
+          </a:effectLst>
+        </p:spPr>
+      </p:pic>
+      <p:pic>
+        <p:nvPicPr>
+          <p:cNvPr id="12" name="Picture 11">
+            <a:extLst>
+              <a:ext uri="{FF2B5EF4-FFF2-40B4-BE49-F238E27FC236}">
+                <a16:creationId xmlns:a16="http://schemas.microsoft.com/office/drawing/2014/main" id="{F2CDDE26-336B-D385-3AF6-36F681460E9E}"/>
+              </a:ext>
+            </a:extLst>
+          </p:cNvPr>
+          <p:cNvPicPr>
+            <a:picLocks noChangeAspect="1"/>
+          </p:cNvPicPr>
+          <p:nvPr/>
+        </p:nvPicPr>
+        <p:blipFill>
+          <a:blip r:embed="rId3"/>
+          <a:stretch>
+            <a:fillRect/>
+          </a:stretch>
+        </p:blipFill>
+        <p:spPr>
+          <a:xfrm>
+            <a:off x="920304" y="2132480"/>
+            <a:ext cx="2921316" cy="1163356"/>
+          </a:xfrm>
+          <a:prstGeom prst="rect">
+            <a:avLst/>
+          </a:prstGeom>
+          <a:ln>
+            <a:solidFill>
+              <a:schemeClr val="bg2">
+                <a:lumMod val="75000"/>
+              </a:schemeClr>
+            </a:solidFill>
+          </a:ln>
+          <a:effectLst>
+            <a:outerShdw blurRad="50800" dist="38100" dir="5400000" algn="t" rotWithShape="0">
+              <a:prstClr val="black">
+                <a:alpha val="40000"/>
+              </a:prstClr>
+            </a:outerShdw>
+          </a:effectLst>
+        </p:spPr>
+      </p:pic>
       <p:sp>
         <p:nvSpPr>
-          <p:cNvPr id="3" name="Rectangle: Rounded Corners 2">
+          <p:cNvPr id="13" name="Rectangle: Rounded Corners 12">
             <a:extLst>
               <a:ext uri="{FF2B5EF4-FFF2-40B4-BE49-F238E27FC236}">
-                <a16:creationId xmlns:a16="http://schemas.microsoft.com/office/drawing/2014/main" id="{F2928330-E780-3477-3030-AEC17F68A165}"/>
+                <a16:creationId xmlns:a16="http://schemas.microsoft.com/office/drawing/2014/main" id="{829BB900-04A2-9AD6-773F-3A3E760DA592}"/>
               </a:ext>
             </a:extLst>
           </p:cNvPr>
@@ -13662,18 +13751,24 @@
         </p:nvSpPr>
         <p:spPr>
           <a:xfrm>
-            <a:off x="635000" y="577850"/>
-            <a:ext cx="11169650" cy="596900"/>
+            <a:off x="9836458" y="4367814"/>
+            <a:ext cx="1686758" cy="319596"/>
           </a:xfrm>
           <a:prstGeom prst="roundRect">
-            <a:avLst/>
+            <a:avLst>
+              <a:gd name="adj" fmla="val 35417"/>
+            </a:avLst>
           </a:prstGeom>
           <a:solidFill>
-            <a:schemeClr val="accent1">
-              <a:lumMod val="40000"/>
-              <a:lumOff val="60000"/>
-            </a:schemeClr>
+            <a:srgbClr val="FF0000">
+              <a:alpha val="44000"/>
+            </a:srgbClr>
           </a:solidFill>
+          <a:ln w="28575">
+            <a:solidFill>
+              <a:srgbClr val="FF0000"/>
+            </a:solidFill>
+          </a:ln>
         </p:spPr>
         <p:style>
           <a:lnRef idx="2">
@@ -13696,88 +13791,7 @@
           <a:lstStyle/>
           <a:p>
             <a:pPr algn="ctr"/>
-            <a:endParaRPr lang="en-GB"/>
-          </a:p>
-        </p:txBody>
-      </p:sp>
-      <p:sp>
-        <p:nvSpPr>
-          <p:cNvPr id="2" name="TextBox 1">
-            <a:extLst>
-              <a:ext uri="{FF2B5EF4-FFF2-40B4-BE49-F238E27FC236}">
-                <a16:creationId xmlns:a16="http://schemas.microsoft.com/office/drawing/2014/main" id="{8740DFEE-772A-D4E7-E691-9C0167BE8008}"/>
-              </a:ext>
-            </a:extLst>
-          </p:cNvPr>
-          <p:cNvSpPr txBox="1"/>
-          <p:nvPr/>
-        </p:nvSpPr>
-        <p:spPr>
-          <a:xfrm>
-            <a:off x="831528" y="634647"/>
-            <a:ext cx="5721672" cy="461665"/>
-          </a:xfrm>
-          <a:prstGeom prst="rect">
-            <a:avLst/>
-          </a:prstGeom>
-          <a:noFill/>
-        </p:spPr>
-        <p:txBody>
-          <a:bodyPr wrap="square" rtlCol="0">
-            <a:spAutoFit/>
-          </a:bodyPr>
-          <a:lstStyle/>
-          <a:p>
-            <a:r>
-              <a:rPr lang="en-US" sz="2400" b="1" dirty="0">
-                <a:latin typeface="Garamond" panose="02020404030301010803" pitchFamily="18" charset="0"/>
-              </a:rPr>
-              <a:t>Test Programs – Combined Domain 2</a:t>
-            </a:r>
-          </a:p>
-        </p:txBody>
-      </p:sp>
-      <p:sp>
-        <p:nvSpPr>
-          <p:cNvPr id="8" name="TextBox 7">
-            <a:extLst>
-              <a:ext uri="{FF2B5EF4-FFF2-40B4-BE49-F238E27FC236}">
-                <a16:creationId xmlns:a16="http://schemas.microsoft.com/office/drawing/2014/main" id="{1FC2CD4C-B40C-DBBF-BC53-FE000B9E5A95}"/>
-              </a:ext>
-            </a:extLst>
-          </p:cNvPr>
-          <p:cNvSpPr txBox="1"/>
-          <p:nvPr/>
-        </p:nvSpPr>
-        <p:spPr>
-          <a:xfrm>
-            <a:off x="831526" y="1588536"/>
-            <a:ext cx="10388699" cy="338554"/>
-          </a:xfrm>
-          <a:prstGeom prst="rect">
-            <a:avLst/>
-          </a:prstGeom>
-          <a:noFill/>
-        </p:spPr>
-        <p:txBody>
-          <a:bodyPr wrap="square" rtlCol="0">
-            <a:spAutoFit/>
-          </a:bodyPr>
-          <a:lstStyle/>
-          <a:p>
-            <a:pPr algn="just"/>
-            <a:r>
-              <a:rPr lang="en-US" sz="1600" dirty="0" err="1">
-                <a:latin typeface="Garamond" panose="02020404030301010803" pitchFamily="18" charset="0"/>
-              </a:rPr>
-              <a:t>stopping_on_parity</a:t>
-            </a:r>
-            <a:r>
-              <a:rPr lang="en-US" sz="1600" dirty="0">
-                <a:latin typeface="Garamond" panose="02020404030301010803" pitchFamily="18" charset="0"/>
-              </a:rPr>
-              <a:t> – </a:t>
-            </a:r>
+            <a:endParaRPr lang="en-US"/>
           </a:p>
         </p:txBody>
       </p:sp>
@@ -14030,7 +14044,7 @@
               <a:rPr lang="en-US" sz="1400" dirty="0">
                 <a:latin typeface="Garamond" panose="02020404030301010803" pitchFamily="18" charset="0"/>
               </a:rPr>
-              <a:t>Generating a CFG.</a:t>
+              <a:t>Generating a control flow graph (CFG).</a:t>
             </a:r>
           </a:p>
           <a:p>
@@ -14486,8 +14500,8 @@
           </a:p>
         </p:txBody>
       </p:sp>
-      <mc:AlternateContent xmlns:mc="http://schemas.openxmlformats.org/markup-compatibility/2006">
-        <mc:Choice xmlns:a14="http://schemas.microsoft.com/office/drawing/2010/main" Requires="a14">
+      <mc:AlternateContent xmlns:mc="http://schemas.openxmlformats.org/markup-compatibility/2006" xmlns:a14="http://schemas.microsoft.com/office/drawing/2010/main">
+        <mc:Choice Requires="a14">
           <p:sp>
             <p:nvSpPr>
               <p:cNvPr id="2" name="Rectangle 1">
@@ -14563,7 +14577,7 @@
             </p:txBody>
           </p:sp>
         </mc:Choice>
-        <mc:Fallback>
+        <mc:Fallback xmlns="">
           <p:sp>
             <p:nvSpPr>
               <p:cNvPr id="2" name="Rectangle 1">
@@ -14608,8 +14622,8 @@
           </p:sp>
         </mc:Fallback>
       </mc:AlternateContent>
-      <mc:AlternateContent xmlns:mc="http://schemas.openxmlformats.org/markup-compatibility/2006">
-        <mc:Choice xmlns:a14="http://schemas.microsoft.com/office/drawing/2010/main" Requires="a14">
+      <mc:AlternateContent xmlns:mc="http://schemas.openxmlformats.org/markup-compatibility/2006" xmlns:a14="http://schemas.microsoft.com/office/drawing/2010/main">
+        <mc:Choice Requires="a14">
           <p:sp>
             <p:nvSpPr>
               <p:cNvPr id="5" name="Rectangle 4">
@@ -14683,7 +14697,7 @@
             </p:txBody>
           </p:sp>
         </mc:Choice>
-        <mc:Fallback>
+        <mc:Fallback xmlns="">
           <p:sp>
             <p:nvSpPr>
               <p:cNvPr id="5" name="Rectangle 4">
@@ -15697,7 +15711,7 @@
                   <a:rPr lang="en-US" sz="1600" dirty="0">
                     <a:latin typeface="Garamond" panose="02020404030301010803" pitchFamily="18" charset="0"/>
                   </a:rPr>
-                  <a:t>An improvement could be achieved by “passing information” between them.</a:t>
+                  <a:t>An improvement could be achieved by “passing information” between the analyses.</a:t>
                 </a:r>
               </a:p>
               <a:p>
@@ -16128,7 +16142,7 @@
               <a:lstStyle/>
               <a:p>
                 <a:r>
-                  <a:rPr lang="en-GB">
+                  <a:rPr lang="en-US">
                     <a:noFill/>
                   </a:rPr>
                   <a:t> </a:t>
@@ -23389,8 +23403,8 @@
           </a:p>
         </p:txBody>
       </p:sp>
-      <mc:AlternateContent xmlns:mc="http://schemas.openxmlformats.org/markup-compatibility/2006">
-        <mc:Choice xmlns:a14="http://schemas.microsoft.com/office/drawing/2010/main" Requires="a14">
+      <mc:AlternateContent xmlns:mc="http://schemas.openxmlformats.org/markup-compatibility/2006" xmlns:a14="http://schemas.microsoft.com/office/drawing/2010/main">
+        <mc:Choice Requires="a14">
           <p:sp>
             <p:nvSpPr>
               <p:cNvPr id="8" name="TextBox 7">
@@ -23488,7 +23502,7 @@
             </p:txBody>
           </p:sp>
         </mc:Choice>
-        <mc:Fallback>
+        <mc:Fallback xmlns="">
           <p:sp>
             <p:nvSpPr>
               <p:cNvPr id="8" name="TextBox 7">
